--- a/Building Robust AML Models Advanced Techniques for Effective Transaction Monitoring.pptx
+++ b/Building Robust AML Models Advanced Techniques for Effective Transaction Monitoring.pptx
@@ -3465,7 +3465,7 @@
               <a:rPr lang="en-IN" dirty="0">
                 <a:latin typeface="Georgia Pro" panose="02040502050405020303" pitchFamily="18" charset="0"/>
               </a:rPr>
-              <a:t>Prepared By: Souvik Ganguly, </a:t>
+              <a:t>Prepared By: Souvik Ganguly </a:t>
             </a:r>
           </a:p>
           <a:p>

--- a/Building Robust AML Models Advanced Techniques for Effective Transaction Monitoring.pptx
+++ b/Building Robust AML Models Advanced Techniques for Effective Transaction Monitoring.pptx
@@ -15,6 +15,7 @@
     <p:sldId id="298" r:id="rId9"/>
     <p:sldId id="292" r:id="rId10"/>
     <p:sldId id="299" r:id="rId11"/>
+    <p:sldId id="265" r:id="rId12"/>
   </p:sldIdLst>
   <p:sldSz cx="12192000" cy="6858000"/>
   <p:notesSz cx="6858000" cy="9144000"/>
@@ -3448,7 +3449,7 @@
         <p:spPr>
           <a:xfrm>
             <a:off x="299879" y="1379753"/>
-            <a:ext cx="6494848" cy="815608"/>
+            <a:ext cx="6494848" cy="723275"/>
           </a:xfrm>
           <a:prstGeom prst="rect">
             <a:avLst/>
@@ -3465,11 +3466,11 @@
               <a:rPr lang="en-IN" dirty="0">
                 <a:latin typeface="Georgia Pro" panose="02040502050405020303" pitchFamily="18" charset="0"/>
               </a:rPr>
-              <a:t>Prepared By: Souvik Ganguly </a:t>
-            </a:r>
-          </a:p>
-          <a:p>
-            <a:endParaRPr lang="en-IN" dirty="0">
+              <a:t>Prepared By: Souvik Ganguly</a:t>
+            </a:r>
+          </a:p>
+          <a:p>
+            <a:endParaRPr lang="en-IN" sz="1200" dirty="0">
               <a:latin typeface="Georgia Pro" panose="02040502050405020303" pitchFamily="18" charset="0"/>
             </a:endParaRPr>
           </a:p>
@@ -4111,6 +4112,219 @@
     <p:extLst>
       <p:ext uri="{BB962C8B-B14F-4D97-AF65-F5344CB8AC3E}">
         <p14:creationId xmlns:p14="http://schemas.microsoft.com/office/powerpoint/2010/main" val="3496345780"/>
+      </p:ext>
+    </p:extLst>
+  </p:cSld>
+  <p:clrMapOvr>
+    <a:masterClrMapping/>
+  </p:clrMapOvr>
+</p:sld>
+</file>
+
+<file path=ppt/slides/slide11.xml><?xml version="1.0" encoding="utf-8"?>
+<p:sld xmlns:a="http://schemas.openxmlformats.org/drawingml/2006/main" xmlns:r="http://schemas.openxmlformats.org/officeDocument/2006/relationships" xmlns:p="http://schemas.openxmlformats.org/presentationml/2006/main">
+  <p:cSld>
+    <p:spTree>
+      <p:nvGrpSpPr>
+        <p:cNvPr id="1" name=""/>
+        <p:cNvGrpSpPr/>
+        <p:nvPr/>
+      </p:nvGrpSpPr>
+      <p:grpSpPr>
+        <a:xfrm>
+          <a:off x="0" y="0"/>
+          <a:ext cx="0" cy="0"/>
+          <a:chOff x="0" y="0"/>
+          <a:chExt cx="0" cy="0"/>
+        </a:xfrm>
+      </p:grpSpPr>
+      <p:cxnSp>
+        <p:nvCxnSpPr>
+          <p:cNvPr id="4" name="Straight Connector 3">
+            <a:extLst>
+              <a:ext uri="{FF2B5EF4-FFF2-40B4-BE49-F238E27FC236}">
+                <a16:creationId xmlns:a16="http://schemas.microsoft.com/office/drawing/2014/main" id="{FEC7D071-925A-A25D-E05E-32C77ACDD222}"/>
+              </a:ext>
+            </a:extLst>
+          </p:cNvPr>
+          <p:cNvCxnSpPr/>
+          <p:nvPr/>
+        </p:nvCxnSpPr>
+        <p:spPr>
+          <a:xfrm>
+            <a:off x="422787" y="688259"/>
+            <a:ext cx="11346426" cy="0"/>
+          </a:xfrm>
+          <a:prstGeom prst="line">
+            <a:avLst/>
+          </a:prstGeom>
+        </p:spPr>
+        <p:style>
+          <a:lnRef idx="2">
+            <a:schemeClr val="accent1"/>
+          </a:lnRef>
+          <a:fillRef idx="0">
+            <a:schemeClr val="accent1"/>
+          </a:fillRef>
+          <a:effectRef idx="1">
+            <a:schemeClr val="accent1"/>
+          </a:effectRef>
+          <a:fontRef idx="minor">
+            <a:schemeClr val="tx1"/>
+          </a:fontRef>
+        </p:style>
+      </p:cxnSp>
+      <p:sp>
+        <p:nvSpPr>
+          <p:cNvPr id="7" name="Content Placeholder 2">
+            <a:extLst>
+              <a:ext uri="{FF2B5EF4-FFF2-40B4-BE49-F238E27FC236}">
+                <a16:creationId xmlns:a16="http://schemas.microsoft.com/office/drawing/2014/main" id="{4F6E7C57-FDA4-0EA0-DD37-9A3F30183BCB}"/>
+              </a:ext>
+            </a:extLst>
+          </p:cNvPr>
+          <p:cNvSpPr>
+            <a:spLocks noGrp="1"/>
+          </p:cNvSpPr>
+          <p:nvPr>
+            <p:ph idx="1"/>
+          </p:nvPr>
+        </p:nvSpPr>
+        <p:spPr>
+          <a:xfrm>
+            <a:off x="422787" y="2486913"/>
+            <a:ext cx="11346426" cy="2570855"/>
+          </a:xfrm>
+        </p:spPr>
+        <p:txBody>
+          <a:bodyPr anchor="ctr">
+            <a:normAutofit/>
+          </a:bodyPr>
+          <a:lstStyle/>
+          <a:p>
+            <a:pPr marL="457200" lvl="1" indent="0" algn="ctr">
+              <a:buNone/>
+            </a:pPr>
+            <a:r>
+              <a:rPr lang="en-IN" sz="4400" dirty="0">
+                <a:solidFill>
+                  <a:schemeClr val="accent1">
+                    <a:lumMod val="50000"/>
+                  </a:schemeClr>
+                </a:solidFill>
+                <a:latin typeface="Georgia Pro" panose="02040502050405020303" pitchFamily="18" charset="0"/>
+              </a:rPr>
+              <a:t>THANK YOU</a:t>
+            </a:r>
+          </a:p>
+          <a:p>
+            <a:pPr marL="457200" lvl="1" indent="0" algn="ctr">
+              <a:buNone/>
+            </a:pPr>
+            <a:r>
+              <a:rPr lang="en-IN" sz="1100" dirty="0">
+                <a:solidFill>
+                  <a:schemeClr val="accent1">
+                    <a:lumMod val="50000"/>
+                  </a:schemeClr>
+                </a:solidFill>
+                <a:latin typeface="Georgia Pro" panose="02040502050405020303" pitchFamily="18" charset="0"/>
+              </a:rPr>
+              <a:t>Contact me at</a:t>
+            </a:r>
+          </a:p>
+          <a:p>
+            <a:pPr marL="457200" lvl="1" indent="0" algn="ctr">
+              <a:buNone/>
+            </a:pPr>
+            <a:r>
+              <a:rPr lang="en-IN" sz="1100" dirty="0">
+                <a:solidFill>
+                  <a:schemeClr val="accent1">
+                    <a:lumMod val="50000"/>
+                  </a:schemeClr>
+                </a:solidFill>
+                <a:latin typeface="Georgia Pro" panose="02040502050405020303" pitchFamily="18" charset="0"/>
+                <a:hlinkClick r:id="rId2">
+                  <a:extLst>
+                    <a:ext uri="{A12FA001-AC4F-418D-AE19-62706E023703}">
+                      <ahyp:hlinkClr xmlns:ahyp="http://schemas.microsoft.com/office/drawing/2018/hyperlinkcolor" val="tx"/>
+                    </a:ext>
+                  </a:extLst>
+                </a:hlinkClick>
+              </a:rPr>
+              <a:t>Linkedin</a:t>
+            </a:r>
+            <a:endParaRPr lang="en-IN" sz="1100" dirty="0">
+              <a:solidFill>
+                <a:schemeClr val="accent1">
+                  <a:lumMod val="50000"/>
+                </a:schemeClr>
+              </a:solidFill>
+              <a:latin typeface="Georgia Pro" panose="02040502050405020303" pitchFamily="18" charset="0"/>
+            </a:endParaRPr>
+          </a:p>
+          <a:p>
+            <a:pPr marL="457200" lvl="1" indent="0" algn="ctr">
+              <a:buNone/>
+            </a:pPr>
+            <a:r>
+              <a:rPr lang="en-IN" sz="1100" dirty="0">
+                <a:solidFill>
+                  <a:schemeClr val="accent1">
+                    <a:lumMod val="50000"/>
+                  </a:schemeClr>
+                </a:solidFill>
+                <a:latin typeface="Georgia Pro" panose="02040502050405020303" pitchFamily="18" charset="0"/>
+              </a:rPr>
+              <a:t>E-mail: </a:t>
+            </a:r>
+            <a:r>
+              <a:rPr lang="en-IN" sz="1100" dirty="0">
+                <a:solidFill>
+                  <a:schemeClr val="accent1">
+                    <a:lumMod val="50000"/>
+                  </a:schemeClr>
+                </a:solidFill>
+                <a:latin typeface="Georgia Pro" panose="02040502050405020303" pitchFamily="18" charset="0"/>
+                <a:hlinkClick r:id="rId3">
+                  <a:extLst>
+                    <a:ext uri="{A12FA001-AC4F-418D-AE19-62706E023703}">
+                      <ahyp:hlinkClr xmlns:ahyp="http://schemas.microsoft.com/office/drawing/2018/hyperlinkcolor" val="tx"/>
+                    </a:ext>
+                  </a:extLst>
+                </a:hlinkClick>
+              </a:rPr>
+              <a:t>souvik.ganguly.ds@gmail.com</a:t>
+            </a:r>
+            <a:endParaRPr lang="en-IN" sz="1100" dirty="0">
+              <a:solidFill>
+                <a:schemeClr val="accent1">
+                  <a:lumMod val="50000"/>
+                </a:schemeClr>
+              </a:solidFill>
+              <a:latin typeface="Georgia Pro" panose="02040502050405020303" pitchFamily="18" charset="0"/>
+            </a:endParaRPr>
+          </a:p>
+          <a:p>
+            <a:pPr marL="457200" lvl="1" indent="0" algn="ctr">
+              <a:buNone/>
+            </a:pPr>
+            <a:endParaRPr lang="en-IN" sz="1100" dirty="0">
+              <a:solidFill>
+                <a:schemeClr val="accent1">
+                  <a:lumMod val="50000"/>
+                </a:schemeClr>
+              </a:solidFill>
+              <a:latin typeface="Georgia Pro" panose="02040502050405020303" pitchFamily="18" charset="0"/>
+            </a:endParaRPr>
+          </a:p>
+        </p:txBody>
+      </p:sp>
+    </p:spTree>
+    <p:extLst>
+      <p:ext uri="{BB962C8B-B14F-4D97-AF65-F5344CB8AC3E}">
+        <p14:creationId xmlns:p14="http://schemas.microsoft.com/office/powerpoint/2010/main" val="3821282261"/>
       </p:ext>
     </p:extLst>
   </p:cSld>
